--- a/PPT/8 Interactua con AzureML en remoto.pptx
+++ b/PPT/8 Interactua con AzureML en remoto.pptx
@@ -195,44 +195,9 @@
 <file path=ppt/revisionInfo.xml><?xml version="1.0" encoding="utf-8"?>
 <p1510:revInfo xmlns:a="http://schemas.openxmlformats.org/drawingml/2006/main" xmlns:r="http://schemas.openxmlformats.org/officeDocument/2006/relationships" xmlns:p1510="http://schemas.microsoft.com/office/powerpoint/2015/10/main">
   <p1510:revLst>
-    <p1510:client id="{56F5EB6F-3E52-4EBB-9BE2-AF1AC569317D}" v="1" dt="2021-01-10T15:21:24.834"/>
+    <p1510:client id="{99404EA8-F06B-4D8D-A3AF-A0284AA2BAA8}" v="1" dt="2021-01-10T15:20:01.136"/>
   </p1510:revLst>
 </p1510:revInfo>
-</file>
-
-<file path=ppt/changesInfos/changesInfo1.xml><?xml version="1.0" encoding="utf-8"?>
-<pc:chgInfo xmlns:a="http://schemas.openxmlformats.org/drawingml/2006/main" xmlns:r="http://schemas.openxmlformats.org/officeDocument/2006/relationships" xmlns:ac="http://schemas.microsoft.com/office/drawing/2013/main/command" xmlns:pc="http://schemas.microsoft.com/office/powerpoint/2013/main/command">
-  <pc:docChgLst>
-    <pc:chgData name="Roberto Tejero" userId="df99c9947d6af889" providerId="LiveId" clId="{56F5EB6F-3E52-4EBB-9BE2-AF1AC569317D}"/>
-    <pc:docChg chg="addSld delSld modSld modSection">
-      <pc:chgData name="Roberto Tejero" userId="df99c9947d6af889" providerId="LiveId" clId="{56F5EB6F-3E52-4EBB-9BE2-AF1AC569317D}" dt="2021-01-10T15:21:27.629" v="2" actId="47"/>
-      <pc:docMkLst>
-        <pc:docMk/>
-      </pc:docMkLst>
-      <pc:sldChg chg="del">
-        <pc:chgData name="Roberto Tejero" userId="df99c9947d6af889" providerId="LiveId" clId="{56F5EB6F-3E52-4EBB-9BE2-AF1AC569317D}" dt="2021-01-10T15:21:26.964" v="1" actId="47"/>
-        <pc:sldMkLst>
-          <pc:docMk/>
-          <pc:sldMk cId="3448830755" sldId="2076136256"/>
-        </pc:sldMkLst>
-      </pc:sldChg>
-      <pc:sldChg chg="del">
-        <pc:chgData name="Roberto Tejero" userId="df99c9947d6af889" providerId="LiveId" clId="{56F5EB6F-3E52-4EBB-9BE2-AF1AC569317D}" dt="2021-01-10T15:21:27.629" v="2" actId="47"/>
-        <pc:sldMkLst>
-          <pc:docMk/>
-          <pc:sldMk cId="124482935" sldId="2076136261"/>
-        </pc:sldMkLst>
-      </pc:sldChg>
-      <pc:sldChg chg="add">
-        <pc:chgData name="Roberto Tejero" userId="df99c9947d6af889" providerId="LiveId" clId="{56F5EB6F-3E52-4EBB-9BE2-AF1AC569317D}" dt="2021-01-10T15:21:24.832" v="0"/>
-        <pc:sldMkLst>
-          <pc:docMk/>
-          <pc:sldMk cId="3748196879" sldId="2076136263"/>
-        </pc:sldMkLst>
-      </pc:sldChg>
-    </pc:docChg>
-  </pc:docChgLst>
-</pc:chgInfo>
 </file>
 
 <file path=ppt/handoutMasters/handoutMaster1.xml><?xml version="1.0" encoding="utf-8"?>
@@ -321,7 +286,7 @@
               <a:rPr lang="en-US" smtClean="0">
                 <a:latin typeface="Segoe UI" pitchFamily="34" charset="0"/>
               </a:rPr>
-              <a:t>1/10/2021 4:21 PM</a:t>
+              <a:t>1/10/2021 9:03 PM</a:t>
             </a:fld>
             <a:endParaRPr lang="en-US">
               <a:latin typeface="Segoe UI" pitchFamily="34" charset="0"/>
@@ -599,7 +564,7 @@
           <a:p>
             <a:fld id="{386CE63F-9E7F-4C04-9D0D-FCA25A8E9E86}" type="datetime8">
               <a:rPr lang="en-US" smtClean="0"/>
-              <a:t>1/10/2021 4:21 PM</a:t>
+              <a:t>1/10/2021 9:02 PM</a:t>
             </a:fld>
             <a:endParaRPr lang="en-US"/>
           </a:p>
@@ -43042,22 +43007,21 @@
           <a:lstStyle/>
           <a:p>
             <a:r>
+              <a:rPr lang="es-ES" dirty="0" err="1"/>
+              <a:t>Interactua</a:t>
+            </a:r>
+            <a:r>
               <a:rPr lang="es-ES" dirty="0"/>
-              <a:t>Azure DevOps series </a:t>
+              <a:t> con </a:t>
             </a:r>
             <a:r>
               <a:rPr lang="es-ES" dirty="0" err="1"/>
-              <a:t>by</a:t>
+              <a:t>AzureML</a:t>
             </a:r>
             <a:r>
               <a:rPr lang="es-ES" dirty="0"/>
-              <a:t> </a:t>
+              <a:t> en remoto</a:t>
             </a:r>
-            <a:r>
-              <a:rPr lang="es-ES" dirty="0" err="1"/>
-              <a:t>Sagar</a:t>
-            </a:r>
-            <a:endParaRPr lang="es-ES" dirty="0"/>
           </a:p>
         </p:txBody>
       </p:sp>
@@ -43083,18 +43047,9 @@
           <a:lstStyle/>
           <a:p>
             <a:r>
-              <a:rPr lang="es-ES" dirty="0" err="1"/>
-              <a:t>Sagar</a:t>
+              <a:rPr lang="es-ES" dirty="0"/>
+              <a:t>Roberto Navarro</a:t>
             </a:r>
-            <a:r>
-              <a:rPr lang="es-ES" dirty="0"/>
-              <a:t> </a:t>
-            </a:r>
-            <a:r>
-              <a:rPr lang="es-ES" dirty="0" err="1"/>
-              <a:t>Lad</a:t>
-            </a:r>
-            <a:endParaRPr lang="es-ES" dirty="0"/>
           </a:p>
         </p:txBody>
       </p:sp>
@@ -43163,24 +43118,8 @@
           <a:lstStyle/>
           <a:p>
             <a:r>
-              <a:rPr lang="es-ES" dirty="0" err="1"/>
-              <a:t>Sagar</a:t>
-            </a:r>
-            <a:r>
-              <a:rPr lang="es-ES" dirty="0"/>
-              <a:t> </a:t>
-            </a:r>
-            <a:r>
-              <a:rPr lang="es-ES" dirty="0" err="1"/>
-              <a:t>Explains</a:t>
-            </a:r>
-            <a:r>
-              <a:rPr lang="es-ES" dirty="0"/>
-              <a:t> Azure &amp; </a:t>
-            </a:r>
-            <a:r>
-              <a:rPr lang="es-ES" dirty="0" err="1"/>
-              <a:t>Analytics</a:t>
+              <a:rPr lang="pt-BR" dirty="0"/>
+              <a:t>Arquitecto BigData e IA @Kabel</a:t>
             </a:r>
             <a:endParaRPr lang="es-ES" dirty="0"/>
           </a:p>
@@ -43189,7 +43128,7 @@
     </p:spTree>
     <p:extLst>
       <p:ext uri="{BB962C8B-B14F-4D97-AF65-F5344CB8AC3E}">
-        <p14:creationId xmlns:p14="http://schemas.microsoft.com/office/powerpoint/2010/main" val="3748196879"/>
+        <p14:creationId xmlns:p14="http://schemas.microsoft.com/office/powerpoint/2010/main" val="2166614377"/>
       </p:ext>
     </p:extLst>
   </p:cSld>
@@ -43567,12 +43506,28 @@
             <p:ph type="title"/>
           </p:nvPr>
         </p:nvSpPr>
-        <p:spPr/>
+        <p:spPr>
+          <a:xfrm>
+            <a:off x="762991" y="1615703"/>
+            <a:ext cx="4075714" cy="861774"/>
+          </a:xfrm>
+        </p:spPr>
         <p:txBody>
           <a:bodyPr/>
           <a:lstStyle/>
           <a:p>
-            <a:endParaRPr lang="es-ES"/>
+            <a:r>
+              <a:rPr lang="es-ES" dirty="0"/>
+              <a:t>Interactua con </a:t>
+            </a:r>
+            <a:r>
+              <a:rPr lang="es-ES" dirty="0" err="1"/>
+              <a:t>AzureML</a:t>
+            </a:r>
+            <a:r>
+              <a:rPr lang="es-ES" dirty="0"/>
+              <a:t> en remoto</a:t>
+            </a:r>
           </a:p>
         </p:txBody>
       </p:sp>
@@ -43597,7 +43552,10 @@
           <a:bodyPr/>
           <a:lstStyle/>
           <a:p>
-            <a:endParaRPr lang="es-ES"/>
+            <a:r>
+              <a:rPr lang="es-ES" dirty="0"/>
+              <a:t>Roberto Navarro</a:t>
+            </a:r>
           </a:p>
         </p:txBody>
       </p:sp>
@@ -43617,61 +43575,24 @@
             <p:ph type="body" sz="quarter" idx="15"/>
           </p:nvPr>
         </p:nvSpPr>
-        <p:spPr/>
+        <p:spPr>
+          <a:xfrm>
+            <a:off x="762987" y="3200854"/>
+            <a:ext cx="4075714" cy="215444"/>
+          </a:xfrm>
+        </p:spPr>
         <p:txBody>
           <a:bodyPr/>
           <a:lstStyle/>
           <a:p>
-            <a:endParaRPr lang="es-ES"/>
-          </a:p>
-        </p:txBody>
-      </p:sp>
-      <p:sp>
-        <p:nvSpPr>
-          <p:cNvPr id="7" name="Marcador de texto 6">
-            <a:extLst>
-              <a:ext uri="{FF2B5EF4-FFF2-40B4-BE49-F238E27FC236}">
-                <a16:creationId xmlns:a16="http://schemas.microsoft.com/office/drawing/2014/main" id="{8EF35D44-2C5B-40E9-B454-F56774A87418}"/>
-              </a:ext>
-            </a:extLst>
-          </p:cNvPr>
-          <p:cNvSpPr>
-            <a:spLocks noGrp="1"/>
-          </p:cNvSpPr>
-          <p:nvPr>
-            <p:ph type="body" sz="quarter" idx="16"/>
-          </p:nvPr>
-        </p:nvSpPr>
-        <p:spPr/>
-        <p:txBody>
-          <a:bodyPr/>
-          <a:lstStyle/>
-          <a:p>
-            <a:endParaRPr lang="es-ES"/>
-          </a:p>
-        </p:txBody>
-      </p:sp>
-      <p:sp>
-        <p:nvSpPr>
-          <p:cNvPr id="8" name="Marcador de texto 7">
-            <a:extLst>
-              <a:ext uri="{FF2B5EF4-FFF2-40B4-BE49-F238E27FC236}">
-                <a16:creationId xmlns:a16="http://schemas.microsoft.com/office/drawing/2014/main" id="{B5A653BA-DCA7-4396-B752-FF12285E0B37}"/>
-              </a:ext>
-            </a:extLst>
-          </p:cNvPr>
-          <p:cNvSpPr>
-            <a:spLocks noGrp="1"/>
-          </p:cNvSpPr>
-          <p:nvPr>
-            <p:ph type="body" sz="quarter" idx="17"/>
-          </p:nvPr>
-        </p:nvSpPr>
-        <p:spPr/>
-        <p:txBody>
-          <a:bodyPr/>
-          <a:lstStyle/>
-          <a:p>
+            <a:r>
+              <a:rPr lang="pt-BR" dirty="0"/>
+              <a:t>Arquitecto BigData e IA </a:t>
+            </a:r>
+            <a:r>
+              <a:rPr lang="pt-BR"/>
+              <a:t>@Kabel</a:t>
+            </a:r>
             <a:endParaRPr lang="es-ES"/>
           </a:p>
         </p:txBody>
@@ -45147,6 +45068,68 @@
 </file>
 
 <file path=customXml/item2.xml><?xml version="1.0" encoding="utf-8"?>
+<p:properties xmlns:p="http://schemas.microsoft.com/office/2006/metadata/properties" xmlns:xsi="http://www.w3.org/2001/XMLSchema-instance" xmlns:pc="http://schemas.microsoft.com/office/infopath/2007/PartnerControls">
+  <documentManagement>
+    <_ip_UnifiedCompliancePolicyUIAction xmlns="http://schemas.microsoft.com/sharepoint/v3" xsi:nil="true"/>
+    <_ip_UnifiedCompliancePolicyProperties xmlns="http://schemas.microsoft.com/sharepoint/v3" xsi:nil="true"/>
+    <MediaServiceKeyPoints xmlns="9d1f81f6-e953-47ea-988e-33ed651c58e6" xsi:nil="true"/>
+    <External_x0020_Speaker xmlns="5a4b3278-325d-441a-b38f-6f1926bc734e" xsi:nil="true"/>
+    <j478fa01fff54a9d85f93cc1f742caa8 xmlns="5a4b3278-325d-441a-b38f-6f1926bc734e">
+      <Terms xmlns="http://schemas.microsoft.com/office/infopath/2007/PartnerControls"/>
+    </j478fa01fff54a9d85f93cc1f742caa8>
+    <Event_x0020_End_x0020_Date xmlns="5a4b3278-325d-441a-b38f-6f1926bc734e" xsi:nil="true"/>
+    <LikesCount xmlns="http://schemas.microsoft.com/sharepoint/v3" xsi:nil="true"/>
+    <MS_x0020_Speaker xmlns="5a4b3278-325d-441a-b38f-6f1926bc734e">
+      <UserInfo>
+        <DisplayName/>
+        <AccountId xsi:nil="true"/>
+        <AccountType/>
+      </UserInfo>
+    </MS_x0020_Speaker>
+    <o33121adfc264c7dbcad13be7db3ea4b xmlns="5a4b3278-325d-441a-b38f-6f1926bc734e">
+      <Terms xmlns="http://schemas.microsoft.com/office/infopath/2007/PartnerControls"/>
+    </o33121adfc264c7dbcad13be7db3ea4b>
+    <Session_x0020_Code xmlns="5a4b3278-325d-441a-b38f-6f1926bc734e" xsi:nil="true"/>
+    <Presentation_x0020_Date xmlns="5a4b3278-325d-441a-b38f-6f1926bc734e" xsi:nil="true"/>
+    <ba5aa7e3a41a404e868a451481761228 xmlns="5a4b3278-325d-441a-b38f-6f1926bc734e">
+      <Terms xmlns="http://schemas.microsoft.com/office/infopath/2007/PartnerControls"/>
+    </ba5aa7e3a41a404e868a451481761228>
+    <n26c0b7259a14f82a9880173edc4cb73 xmlns="5a4b3278-325d-441a-b38f-6f1926bc734e">
+      <Terms xmlns="http://schemas.microsoft.com/office/infopath/2007/PartnerControls"/>
+    </n26c0b7259a14f82a9880173edc4cb73>
+    <c4b02e5b2c48420dbed84c0f2f02e9a3 xmlns="5a4b3278-325d-441a-b38f-6f1926bc734e">
+      <Terms xmlns="http://schemas.microsoft.com/office/infopath/2007/PartnerControls"/>
+    </c4b02e5b2c48420dbed84c0f2f02e9a3>
+    <Event_x0020_Start_x0020_Date xmlns="5a4b3278-325d-441a-b38f-6f1926bc734e" xsi:nil="true"/>
+    <MS_x0020_Content_x0020_Owner xmlns="5a4b3278-325d-441a-b38f-6f1926bc734e">
+      <UserInfo>
+        <DisplayName/>
+        <AccountId xsi:nil="true"/>
+        <AccountType/>
+      </UserInfo>
+    </MS_x0020_Content_x0020_Owner>
+    <TaxKeywordTaxHTField xmlns="230e9df3-be65-4c73-a93b-d1236ebd677e">
+      <Terms xmlns="http://schemas.microsoft.com/office/infopath/2007/PartnerControls">
+        <TermInfo xmlns="http://schemas.microsoft.com/office/infopath/2007/PartnerControls">
+          <TermName xmlns="http://schemas.microsoft.com/office/infopath/2007/PartnerControls">Microsoft Ignite The Tour FY20</TermName>
+          <TermId xmlns="http://schemas.microsoft.com/office/infopath/2007/PartnerControls">92cd8354-19e0-47e3-879f-674e86e0d77f</TermId>
+        </TermInfo>
+      </Terms>
+    </TaxKeywordTaxHTField>
+    <j129f3114929433a812312450a84994c xmlns="5a4b3278-325d-441a-b38f-6f1926bc734e">
+      <Terms xmlns="http://schemas.microsoft.com/office/infopath/2007/PartnerControls"/>
+    </j129f3114929433a812312450a84994c>
+    <TaxCatchAll xmlns="230e9df3-be65-4c73-a93b-d1236ebd677e">
+      <Value>251</Value>
+    </TaxCatchAll>
+    <e1750f71052543bd8c4d7217e9f56da0 xmlns="5a4b3278-325d-441a-b38f-6f1926bc734e">
+      <Terms xmlns="http://schemas.microsoft.com/office/infopath/2007/PartnerControls"/>
+    </e1750f71052543bd8c4d7217e9f56da0>
+  </documentManagement>
+</p:properties>
+</file>
+
+<file path=customXml/item3.xml><?xml version="1.0" encoding="utf-8"?>
 <ct:contentTypeSchema xmlns:ct="http://schemas.microsoft.com/office/2006/metadata/contentType" xmlns:ma="http://schemas.microsoft.com/office/2006/metadata/properties/metaAttributes" ct:_="" ma:_="" ma:contentTypeName="PresentationsDoc" ma:contentTypeID="0x010100606EF5350B4AC34299E527B9221D6B5E001A2DF7EB5935C14F830206357EC2322C" ma:contentTypeVersion="34" ma:contentTypeDescription="" ma:contentTypeScope="" ma:versionID="b48d6a27735be7714bdd88c81c28b068">
   <xsd:schema xmlns:xsd="http://www.w3.org/2001/XMLSchema" xmlns:xs="http://www.w3.org/2001/XMLSchema" xmlns:p="http://schemas.microsoft.com/office/2006/metadata/properties" xmlns:ns1="http://schemas.microsoft.com/sharepoint/v3" xmlns:ns2="5a4b3278-325d-441a-b38f-6f1926bc734e" xmlns:ns3="230e9df3-be65-4c73-a93b-d1236ebd677e" xmlns:ns5="9d1f81f6-e953-47ea-988e-33ed651c58e6" targetNamespace="http://schemas.microsoft.com/office/2006/metadata/properties" ma:root="true" ma:fieldsID="61aa76b7b235bae3242d4a7e9080af88" ns1:_="" ns2:_="" ns3:_="" ns5:_="">
     <xsd:import namespace="http://schemas.microsoft.com/sharepoint/v3"/>
@@ -45567,68 +45550,6 @@
 </ct:contentTypeSchema>
 </file>
 
-<file path=customXml/item3.xml><?xml version="1.0" encoding="utf-8"?>
-<p:properties xmlns:p="http://schemas.microsoft.com/office/2006/metadata/properties" xmlns:xsi="http://www.w3.org/2001/XMLSchema-instance" xmlns:pc="http://schemas.microsoft.com/office/infopath/2007/PartnerControls">
-  <documentManagement>
-    <_ip_UnifiedCompliancePolicyUIAction xmlns="http://schemas.microsoft.com/sharepoint/v3" xsi:nil="true"/>
-    <_ip_UnifiedCompliancePolicyProperties xmlns="http://schemas.microsoft.com/sharepoint/v3" xsi:nil="true"/>
-    <MediaServiceKeyPoints xmlns="9d1f81f6-e953-47ea-988e-33ed651c58e6" xsi:nil="true"/>
-    <External_x0020_Speaker xmlns="5a4b3278-325d-441a-b38f-6f1926bc734e" xsi:nil="true"/>
-    <j478fa01fff54a9d85f93cc1f742caa8 xmlns="5a4b3278-325d-441a-b38f-6f1926bc734e">
-      <Terms xmlns="http://schemas.microsoft.com/office/infopath/2007/PartnerControls"/>
-    </j478fa01fff54a9d85f93cc1f742caa8>
-    <Event_x0020_End_x0020_Date xmlns="5a4b3278-325d-441a-b38f-6f1926bc734e" xsi:nil="true"/>
-    <LikesCount xmlns="http://schemas.microsoft.com/sharepoint/v3" xsi:nil="true"/>
-    <MS_x0020_Speaker xmlns="5a4b3278-325d-441a-b38f-6f1926bc734e">
-      <UserInfo>
-        <DisplayName/>
-        <AccountId xsi:nil="true"/>
-        <AccountType/>
-      </UserInfo>
-    </MS_x0020_Speaker>
-    <o33121adfc264c7dbcad13be7db3ea4b xmlns="5a4b3278-325d-441a-b38f-6f1926bc734e">
-      <Terms xmlns="http://schemas.microsoft.com/office/infopath/2007/PartnerControls"/>
-    </o33121adfc264c7dbcad13be7db3ea4b>
-    <Session_x0020_Code xmlns="5a4b3278-325d-441a-b38f-6f1926bc734e" xsi:nil="true"/>
-    <Presentation_x0020_Date xmlns="5a4b3278-325d-441a-b38f-6f1926bc734e" xsi:nil="true"/>
-    <ba5aa7e3a41a404e868a451481761228 xmlns="5a4b3278-325d-441a-b38f-6f1926bc734e">
-      <Terms xmlns="http://schemas.microsoft.com/office/infopath/2007/PartnerControls"/>
-    </ba5aa7e3a41a404e868a451481761228>
-    <n26c0b7259a14f82a9880173edc4cb73 xmlns="5a4b3278-325d-441a-b38f-6f1926bc734e">
-      <Terms xmlns="http://schemas.microsoft.com/office/infopath/2007/PartnerControls"/>
-    </n26c0b7259a14f82a9880173edc4cb73>
-    <c4b02e5b2c48420dbed84c0f2f02e9a3 xmlns="5a4b3278-325d-441a-b38f-6f1926bc734e">
-      <Terms xmlns="http://schemas.microsoft.com/office/infopath/2007/PartnerControls"/>
-    </c4b02e5b2c48420dbed84c0f2f02e9a3>
-    <Event_x0020_Start_x0020_Date xmlns="5a4b3278-325d-441a-b38f-6f1926bc734e" xsi:nil="true"/>
-    <MS_x0020_Content_x0020_Owner xmlns="5a4b3278-325d-441a-b38f-6f1926bc734e">
-      <UserInfo>
-        <DisplayName/>
-        <AccountId xsi:nil="true"/>
-        <AccountType/>
-      </UserInfo>
-    </MS_x0020_Content_x0020_Owner>
-    <TaxKeywordTaxHTField xmlns="230e9df3-be65-4c73-a93b-d1236ebd677e">
-      <Terms xmlns="http://schemas.microsoft.com/office/infopath/2007/PartnerControls">
-        <TermInfo xmlns="http://schemas.microsoft.com/office/infopath/2007/PartnerControls">
-          <TermName xmlns="http://schemas.microsoft.com/office/infopath/2007/PartnerControls">Microsoft Ignite The Tour FY20</TermName>
-          <TermId xmlns="http://schemas.microsoft.com/office/infopath/2007/PartnerControls">92cd8354-19e0-47e3-879f-674e86e0d77f</TermId>
-        </TermInfo>
-      </Terms>
-    </TaxKeywordTaxHTField>
-    <j129f3114929433a812312450a84994c xmlns="5a4b3278-325d-441a-b38f-6f1926bc734e">
-      <Terms xmlns="http://schemas.microsoft.com/office/infopath/2007/PartnerControls"/>
-    </j129f3114929433a812312450a84994c>
-    <TaxCatchAll xmlns="230e9df3-be65-4c73-a93b-d1236ebd677e">
-      <Value>251</Value>
-    </TaxCatchAll>
-    <e1750f71052543bd8c4d7217e9f56da0 xmlns="5a4b3278-325d-441a-b38f-6f1926bc734e">
-      <Terms xmlns="http://schemas.microsoft.com/office/infopath/2007/PartnerControls"/>
-    </e1750f71052543bd8c4d7217e9f56da0>
-  </documentManagement>
-</p:properties>
-</file>
-
 <file path=customXml/itemProps1.xml><?xml version="1.0" encoding="utf-8"?>
 <ds:datastoreItem xmlns:ds="http://schemas.openxmlformats.org/officeDocument/2006/customXml" ds:itemID="{758FDAC0-319D-4A54-8D8E-1D42CB1F8004}">
   <ds:schemaRefs>
@@ -45638,6 +45559,27 @@
 </file>
 
 <file path=customXml/itemProps2.xml><?xml version="1.0" encoding="utf-8"?>
+<ds:datastoreItem xmlns:ds="http://schemas.openxmlformats.org/officeDocument/2006/customXml" ds:itemID="{F990F116-B58F-4255-B05B-DA3808E0E5C6}">
+  <ds:schemaRefs>
+    <ds:schemaRef ds:uri="12239fb0-26c0-4a37-b790-6c81fba9d0fc"/>
+    <ds:schemaRef ds:uri="http://schemas.openxmlformats.org/package/2006/metadata/core-properties"/>
+    <ds:schemaRef ds:uri="http://www.w3.org/XML/1998/namespace"/>
+    <ds:schemaRef ds:uri="16dc66bd-df5a-4495-a5c9-5e296f49988a"/>
+    <ds:schemaRef ds:uri="http://schemas.microsoft.com/sharepoint/v3"/>
+    <ds:schemaRef ds:uri="http://purl.org/dc/terms/"/>
+    <ds:schemaRef ds:uri="http://purl.org/dc/dcmitype/"/>
+    <ds:schemaRef ds:uri="http://schemas.microsoft.com/office/2006/metadata/properties"/>
+    <ds:schemaRef ds:uri="http://schemas.microsoft.com/office/2006/documentManagement/types"/>
+    <ds:schemaRef ds:uri="http://schemas.microsoft.com/office/infopath/2007/PartnerControls"/>
+    <ds:schemaRef ds:uri="http://purl.org/dc/elements/1.1/"/>
+    <ds:schemaRef ds:uri="9d1f81f6-e953-47ea-988e-33ed651c58e6"/>
+    <ds:schemaRef ds:uri="5a4b3278-325d-441a-b38f-6f1926bc734e"/>
+    <ds:schemaRef ds:uri="230e9df3-be65-4c73-a93b-d1236ebd677e"/>
+  </ds:schemaRefs>
+</ds:datastoreItem>
+</file>
+
+<file path=customXml/itemProps3.xml><?xml version="1.0" encoding="utf-8"?>
 <ds:datastoreItem xmlns:ds="http://schemas.openxmlformats.org/officeDocument/2006/customXml" ds:itemID="{625FD152-D4B9-485B-9213-BB78FF8ABCB4}">
   <ds:schemaRefs>
     <ds:schemaRef ds:uri="http://schemas.microsoft.com/office/2006/metadata/contentType"/>
@@ -45656,25 +45598,4 @@
     <ds:schemaRef ds:uri="http://schemas.microsoft.com/internal/obd"/>
   </ds:schemaRefs>
 </ds:datastoreItem>
-</file>
-
-<file path=customXml/itemProps3.xml><?xml version="1.0" encoding="utf-8"?>
-<ds:datastoreItem xmlns:ds="http://schemas.openxmlformats.org/officeDocument/2006/customXml" ds:itemID="{F990F116-B58F-4255-B05B-DA3808E0E5C6}">
-  <ds:schemaRefs>
-    <ds:schemaRef ds:uri="12239fb0-26c0-4a37-b790-6c81fba9d0fc"/>
-    <ds:schemaRef ds:uri="http://schemas.openxmlformats.org/package/2006/metadata/core-properties"/>
-    <ds:schemaRef ds:uri="http://www.w3.org/XML/1998/namespace"/>
-    <ds:schemaRef ds:uri="16dc66bd-df5a-4495-a5c9-5e296f49988a"/>
-    <ds:schemaRef ds:uri="http://schemas.microsoft.com/sharepoint/v3"/>
-    <ds:schemaRef ds:uri="http://purl.org/dc/terms/"/>
-    <ds:schemaRef ds:uri="http://purl.org/dc/dcmitype/"/>
-    <ds:schemaRef ds:uri="http://schemas.microsoft.com/office/2006/metadata/properties"/>
-    <ds:schemaRef ds:uri="http://schemas.microsoft.com/office/2006/documentManagement/types"/>
-    <ds:schemaRef ds:uri="http://schemas.microsoft.com/office/infopath/2007/PartnerControls"/>
-    <ds:schemaRef ds:uri="http://purl.org/dc/elements/1.1/"/>
-    <ds:schemaRef ds:uri="9d1f81f6-e953-47ea-988e-33ed651c58e6"/>
-    <ds:schemaRef ds:uri="5a4b3278-325d-441a-b38f-6f1926bc734e"/>
-    <ds:schemaRef ds:uri="230e9df3-be65-4c73-a93b-d1236ebd677e"/>
-  </ds:schemaRefs>
-</ds:datastoreItem>
 </file>
--- a/PPT/8 Interactua con AzureML en remoto.pptx
+++ b/PPT/8 Interactua con AzureML en remoto.pptx
@@ -286,7 +286,7 @@
               <a:rPr lang="en-US" smtClean="0">
                 <a:latin typeface="Segoe UI" pitchFamily="34" charset="0"/>
               </a:rPr>
-              <a:t>1/10/2021 9:03 PM</a:t>
+              <a:t>1/11/2021 10:12 AM</a:t>
             </a:fld>
             <a:endParaRPr lang="en-US">
               <a:latin typeface="Segoe UI" pitchFamily="34" charset="0"/>
@@ -375,7 +375,7 @@
               <a:rPr lang="en-US" smtClean="0">
                 <a:latin typeface="Segoe UI" pitchFamily="34" charset="0"/>
               </a:rPr>
-              <a:t>‹#›</a:t>
+              <a:t>‹Nº›</a:t>
             </a:fld>
             <a:endParaRPr lang="en-US">
               <a:latin typeface="Segoe UI" pitchFamily="34" charset="0"/>
@@ -564,7 +564,7 @@
           <a:p>
             <a:fld id="{386CE63F-9E7F-4C04-9D0D-FCA25A8E9E86}" type="datetime8">
               <a:rPr lang="en-US" smtClean="0"/>
-              <a:t>1/10/2021 9:02 PM</a:t>
+              <a:t>1/11/2021 10:12 AM</a:t>
             </a:fld>
             <a:endParaRPr lang="en-US"/>
           </a:p>
@@ -661,7 +661,7 @@
             <a:fld id="{B4008EB6-D09E-4580-8CD6-DDB14511944F}" type="slidenum">
               <a:rPr lang="en-US" smtClean="0"/>
               <a:pPr/>
-              <a:t>‹#›</a:t>
+              <a:t>‹Nº›</a:t>
             </a:fld>
             <a:endParaRPr lang="en-US"/>
           </a:p>
@@ -2032,216 +2032,6 @@
       </p:sp>
       <p:pic>
         <p:nvPicPr>
-          <p:cNvPr id="42" name="Imagen 41">
-            <a:extLst>
-              <a:ext uri="{FF2B5EF4-FFF2-40B4-BE49-F238E27FC236}">
-                <a16:creationId xmlns:a16="http://schemas.microsoft.com/office/drawing/2014/main" id="{CFE36E5C-300D-43C3-BE61-452D23910E7A}"/>
-              </a:ext>
-            </a:extLst>
-          </p:cNvPr>
-          <p:cNvPicPr>
-            <a:picLocks noChangeAspect="1"/>
-          </p:cNvPicPr>
-          <p:nvPr userDrawn="1"/>
-        </p:nvPicPr>
-        <p:blipFill>
-          <a:blip r:embed="rId8"/>
-          <a:stretch>
-            <a:fillRect/>
-          </a:stretch>
-        </p:blipFill>
-        <p:spPr>
-          <a:xfrm>
-            <a:off x="6038054" y="5126102"/>
-            <a:ext cx="2243624" cy="690346"/>
-          </a:xfrm>
-          <a:prstGeom prst="rect">
-            <a:avLst/>
-          </a:prstGeom>
-        </p:spPr>
-      </p:pic>
-      <p:pic>
-        <p:nvPicPr>
-          <p:cNvPr id="43" name="Imagen 42">
-            <a:extLst>
-              <a:ext uri="{FF2B5EF4-FFF2-40B4-BE49-F238E27FC236}">
-                <a16:creationId xmlns:a16="http://schemas.microsoft.com/office/drawing/2014/main" id="{1E5521AC-4CAB-411F-AC1B-1FC08331F083}"/>
-              </a:ext>
-            </a:extLst>
-          </p:cNvPr>
-          <p:cNvPicPr>
-            <a:picLocks noChangeAspect="1"/>
-          </p:cNvPicPr>
-          <p:nvPr userDrawn="1"/>
-        </p:nvPicPr>
-        <p:blipFill>
-          <a:blip r:embed="rId9"/>
-          <a:stretch>
-            <a:fillRect/>
-          </a:stretch>
-        </p:blipFill>
-        <p:spPr>
-          <a:xfrm>
-            <a:off x="8539558" y="5733198"/>
-            <a:ext cx="1582743" cy="586201"/>
-          </a:xfrm>
-          <a:prstGeom prst="rect">
-            <a:avLst/>
-          </a:prstGeom>
-        </p:spPr>
-      </p:pic>
-      <p:pic>
-        <p:nvPicPr>
-          <p:cNvPr id="44" name="Imagen 43">
-            <a:extLst>
-              <a:ext uri="{FF2B5EF4-FFF2-40B4-BE49-F238E27FC236}">
-                <a16:creationId xmlns:a16="http://schemas.microsoft.com/office/drawing/2014/main" id="{11316E2E-3D77-4C04-B311-6A3BC810876B}"/>
-              </a:ext>
-            </a:extLst>
-          </p:cNvPr>
-          <p:cNvPicPr>
-            <a:picLocks noChangeAspect="1"/>
-          </p:cNvPicPr>
-          <p:nvPr userDrawn="1"/>
-        </p:nvPicPr>
-        <p:blipFill>
-          <a:blip r:embed="rId10"/>
-          <a:stretch>
-            <a:fillRect/>
-          </a:stretch>
-        </p:blipFill>
-        <p:spPr>
-          <a:xfrm>
-            <a:off x="1494915" y="5537785"/>
-            <a:ext cx="2015855" cy="620263"/>
-          </a:xfrm>
-          <a:prstGeom prst="rect">
-            <a:avLst/>
-          </a:prstGeom>
-        </p:spPr>
-      </p:pic>
-      <p:pic>
-        <p:nvPicPr>
-          <p:cNvPr id="45" name="Imagen 44">
-            <a:extLst>
-              <a:ext uri="{FF2B5EF4-FFF2-40B4-BE49-F238E27FC236}">
-                <a16:creationId xmlns:a16="http://schemas.microsoft.com/office/drawing/2014/main" id="{27698EF9-7487-44AD-80EC-BF4C4D09A750}"/>
-              </a:ext>
-            </a:extLst>
-          </p:cNvPr>
-          <p:cNvPicPr>
-            <a:picLocks noChangeAspect="1"/>
-          </p:cNvPicPr>
-          <p:nvPr userDrawn="1"/>
-        </p:nvPicPr>
-        <p:blipFill>
-          <a:blip r:embed="rId11"/>
-          <a:stretch>
-            <a:fillRect/>
-          </a:stretch>
-        </p:blipFill>
-        <p:spPr>
-          <a:xfrm>
-            <a:off x="3816249" y="5203641"/>
-            <a:ext cx="2144054" cy="560669"/>
-          </a:xfrm>
-          <a:prstGeom prst="rect">
-            <a:avLst/>
-          </a:prstGeom>
-        </p:spPr>
-      </p:pic>
-      <p:pic>
-        <p:nvPicPr>
-          <p:cNvPr id="46" name="Imagen 45">
-            <a:extLst>
-              <a:ext uri="{FF2B5EF4-FFF2-40B4-BE49-F238E27FC236}">
-                <a16:creationId xmlns:a16="http://schemas.microsoft.com/office/drawing/2014/main" id="{6F0DF829-9E01-4878-8C8F-E8F7AD4159ED}"/>
-              </a:ext>
-            </a:extLst>
-          </p:cNvPr>
-          <p:cNvPicPr>
-            <a:picLocks noChangeAspect="1"/>
-          </p:cNvPicPr>
-          <p:nvPr userDrawn="1"/>
-        </p:nvPicPr>
-        <p:blipFill>
-          <a:blip r:embed="rId12"/>
-          <a:stretch>
-            <a:fillRect/>
-          </a:stretch>
-        </p:blipFill>
-        <p:spPr>
-          <a:xfrm>
-            <a:off x="3860320" y="5847917"/>
-            <a:ext cx="1905154" cy="586201"/>
-          </a:xfrm>
-          <a:prstGeom prst="rect">
-            <a:avLst/>
-          </a:prstGeom>
-        </p:spPr>
-      </p:pic>
-      <p:pic>
-        <p:nvPicPr>
-          <p:cNvPr id="52" name="Imagen 51">
-            <a:extLst>
-              <a:ext uri="{FF2B5EF4-FFF2-40B4-BE49-F238E27FC236}">
-                <a16:creationId xmlns:a16="http://schemas.microsoft.com/office/drawing/2014/main" id="{999BD06F-0AD4-4E45-B274-E87BA24F79BC}"/>
-              </a:ext>
-            </a:extLst>
-          </p:cNvPr>
-          <p:cNvPicPr>
-            <a:picLocks noChangeAspect="1"/>
-          </p:cNvPicPr>
-          <p:nvPr userDrawn="1"/>
-        </p:nvPicPr>
-        <p:blipFill>
-          <a:blip r:embed="rId13"/>
-          <a:stretch>
-            <a:fillRect/>
-          </a:stretch>
-        </p:blipFill>
-        <p:spPr>
-          <a:xfrm>
-            <a:off x="6259691" y="5936432"/>
-            <a:ext cx="1800350" cy="409170"/>
-          </a:xfrm>
-          <a:prstGeom prst="rect">
-            <a:avLst/>
-          </a:prstGeom>
-        </p:spPr>
-      </p:pic>
-      <p:pic>
-        <p:nvPicPr>
-          <p:cNvPr id="53" name="Imagen 52">
-            <a:extLst>
-              <a:ext uri="{FF2B5EF4-FFF2-40B4-BE49-F238E27FC236}">
-                <a16:creationId xmlns:a16="http://schemas.microsoft.com/office/drawing/2014/main" id="{B732E62D-65E0-4AF3-9F73-267A09BF660E}"/>
-              </a:ext>
-            </a:extLst>
-          </p:cNvPr>
-          <p:cNvPicPr>
-            <a:picLocks noChangeAspect="1"/>
-          </p:cNvPicPr>
-          <p:nvPr userDrawn="1"/>
-        </p:nvPicPr>
-        <p:blipFill>
-          <a:blip r:embed="rId14"/>
-          <a:stretch>
-            <a:fillRect/>
-          </a:stretch>
-        </p:blipFill>
-        <p:spPr>
-          <a:xfrm>
-            <a:off x="8411164" y="5047695"/>
-            <a:ext cx="1839530" cy="567666"/>
-          </a:xfrm>
-          <a:prstGeom prst="rect">
-            <a:avLst/>
-          </a:prstGeom>
-        </p:spPr>
-      </p:pic>
-      <p:pic>
-        <p:nvPicPr>
           <p:cNvPr id="55" name="Gráfico 54">
             <a:extLst>
               <a:ext uri="{FF2B5EF4-FFF2-40B4-BE49-F238E27FC236}">
@@ -2255,10 +2045,10 @@
           <p:nvPr userDrawn="1"/>
         </p:nvPicPr>
         <p:blipFill>
-          <a:blip r:embed="rId15">
+          <a:blip r:embed="rId8">
             <a:extLst>
               <a:ext uri="{96DAC541-7B7A-43D3-8B79-37D633B846F1}">
-                <asvg:svgBlip xmlns:asvg="http://schemas.microsoft.com/office/drawing/2016/SVG/main" r:embed="rId16"/>
+                <asvg:svgBlip xmlns:asvg="http://schemas.microsoft.com/office/drawing/2016/SVG/main" r:embed="rId9"/>
               </a:ext>
             </a:extLst>
           </a:blip>
@@ -2291,10 +2081,10 @@
           <p:nvPr userDrawn="1"/>
         </p:nvPicPr>
         <p:blipFill>
-          <a:blip r:embed="rId17">
+          <a:blip r:embed="rId10">
             <a:extLst>
               <a:ext uri="{96DAC541-7B7A-43D3-8B79-37D633B846F1}">
-                <asvg:svgBlip xmlns:asvg="http://schemas.microsoft.com/office/drawing/2016/SVG/main" r:embed="rId18"/>
+                <asvg:svgBlip xmlns:asvg="http://schemas.microsoft.com/office/drawing/2016/SVG/main" r:embed="rId11"/>
               </a:ext>
             </a:extLst>
           </a:blip>
@@ -2306,6 +2096,246 @@
           <a:xfrm>
             <a:off x="5501889" y="2377869"/>
             <a:ext cx="1851408" cy="1347955"/>
+          </a:xfrm>
+          <a:prstGeom prst="rect">
+            <a:avLst/>
+          </a:prstGeom>
+        </p:spPr>
+      </p:pic>
+      <p:pic>
+        <p:nvPicPr>
+          <p:cNvPr id="22" name="Imagen 21">
+            <a:extLst>
+              <a:ext uri="{FF2B5EF4-FFF2-40B4-BE49-F238E27FC236}">
+                <a16:creationId xmlns:a16="http://schemas.microsoft.com/office/drawing/2014/main" id="{1CD5F572-4B1E-486D-AEAE-4C1E2B700554}"/>
+              </a:ext>
+            </a:extLst>
+          </p:cNvPr>
+          <p:cNvPicPr>
+            <a:picLocks noChangeAspect="1"/>
+          </p:cNvPicPr>
+          <p:nvPr userDrawn="1"/>
+        </p:nvPicPr>
+        <p:blipFill>
+          <a:blip r:embed="rId12"/>
+          <a:stretch>
+            <a:fillRect/>
+          </a:stretch>
+        </p:blipFill>
+        <p:spPr>
+          <a:xfrm>
+            <a:off x="6280496" y="5133072"/>
+            <a:ext cx="2243624" cy="690346"/>
+          </a:xfrm>
+          <a:prstGeom prst="rect">
+            <a:avLst/>
+          </a:prstGeom>
+        </p:spPr>
+      </p:pic>
+      <p:pic>
+        <p:nvPicPr>
+          <p:cNvPr id="23" name="Imagen 22">
+            <a:extLst>
+              <a:ext uri="{FF2B5EF4-FFF2-40B4-BE49-F238E27FC236}">
+                <a16:creationId xmlns:a16="http://schemas.microsoft.com/office/drawing/2014/main" id="{434C9645-5EE5-4CBC-A547-BF5C47BF7014}"/>
+              </a:ext>
+            </a:extLst>
+          </p:cNvPr>
+          <p:cNvPicPr>
+            <a:picLocks noChangeAspect="1"/>
+          </p:cNvPicPr>
+          <p:nvPr userDrawn="1"/>
+        </p:nvPicPr>
+        <p:blipFill>
+          <a:blip r:embed="rId13"/>
+          <a:stretch>
+            <a:fillRect/>
+          </a:stretch>
+        </p:blipFill>
+        <p:spPr>
+          <a:xfrm>
+            <a:off x="6585173" y="5797267"/>
+            <a:ext cx="1582743" cy="586201"/>
+          </a:xfrm>
+          <a:prstGeom prst="rect">
+            <a:avLst/>
+          </a:prstGeom>
+        </p:spPr>
+      </p:pic>
+      <p:pic>
+        <p:nvPicPr>
+          <p:cNvPr id="24" name="Imagen 23">
+            <a:extLst>
+              <a:ext uri="{FF2B5EF4-FFF2-40B4-BE49-F238E27FC236}">
+                <a16:creationId xmlns:a16="http://schemas.microsoft.com/office/drawing/2014/main" id="{C81F3EC4-E44D-4207-A0D0-76B43EFD4AC9}"/>
+              </a:ext>
+            </a:extLst>
+          </p:cNvPr>
+          <p:cNvPicPr>
+            <a:picLocks noChangeAspect="1"/>
+          </p:cNvPicPr>
+          <p:nvPr userDrawn="1"/>
+        </p:nvPicPr>
+        <p:blipFill>
+          <a:blip r:embed="rId14"/>
+          <a:stretch>
+            <a:fillRect/>
+          </a:stretch>
+        </p:blipFill>
+        <p:spPr>
+          <a:xfrm>
+            <a:off x="1742944" y="5168113"/>
+            <a:ext cx="2015855" cy="620263"/>
+          </a:xfrm>
+          <a:prstGeom prst="rect">
+            <a:avLst/>
+          </a:prstGeom>
+        </p:spPr>
+      </p:pic>
+      <p:pic>
+        <p:nvPicPr>
+          <p:cNvPr id="25" name="Imagen 24">
+            <a:extLst>
+              <a:ext uri="{FF2B5EF4-FFF2-40B4-BE49-F238E27FC236}">
+                <a16:creationId xmlns:a16="http://schemas.microsoft.com/office/drawing/2014/main" id="{F0116BB4-CCD9-4E79-AC10-84BBD63126B5}"/>
+              </a:ext>
+            </a:extLst>
+          </p:cNvPr>
+          <p:cNvPicPr>
+            <a:picLocks noChangeAspect="1"/>
+          </p:cNvPicPr>
+          <p:nvPr userDrawn="1"/>
+        </p:nvPicPr>
+        <p:blipFill>
+          <a:blip r:embed="rId15"/>
+          <a:stretch>
+            <a:fillRect/>
+          </a:stretch>
+        </p:blipFill>
+        <p:spPr>
+          <a:xfrm>
+            <a:off x="4058691" y="5210611"/>
+            <a:ext cx="2144054" cy="560669"/>
+          </a:xfrm>
+          <a:prstGeom prst="rect">
+            <a:avLst/>
+          </a:prstGeom>
+        </p:spPr>
+      </p:pic>
+      <p:pic>
+        <p:nvPicPr>
+          <p:cNvPr id="26" name="Imagen 25">
+            <a:extLst>
+              <a:ext uri="{FF2B5EF4-FFF2-40B4-BE49-F238E27FC236}">
+                <a16:creationId xmlns:a16="http://schemas.microsoft.com/office/drawing/2014/main" id="{65A6470B-86E0-404B-89A0-2C93922CEA8B}"/>
+              </a:ext>
+            </a:extLst>
+          </p:cNvPr>
+          <p:cNvPicPr>
+            <a:picLocks noChangeAspect="1"/>
+          </p:cNvPicPr>
+          <p:nvPr userDrawn="1"/>
+        </p:nvPicPr>
+        <p:blipFill>
+          <a:blip r:embed="rId16"/>
+          <a:stretch>
+            <a:fillRect/>
+          </a:stretch>
+        </p:blipFill>
+        <p:spPr>
+          <a:xfrm>
+            <a:off x="1946157" y="5911986"/>
+            <a:ext cx="1905154" cy="586201"/>
+          </a:xfrm>
+          <a:prstGeom prst="rect">
+            <a:avLst/>
+          </a:prstGeom>
+        </p:spPr>
+      </p:pic>
+      <p:pic>
+        <p:nvPicPr>
+          <p:cNvPr id="29" name="Imagen 28">
+            <a:extLst>
+              <a:ext uri="{FF2B5EF4-FFF2-40B4-BE49-F238E27FC236}">
+                <a16:creationId xmlns:a16="http://schemas.microsoft.com/office/drawing/2014/main" id="{463878E1-4C3F-452B-BF18-86E4C68070AD}"/>
+              </a:ext>
+            </a:extLst>
+          </p:cNvPr>
+          <p:cNvPicPr>
+            <a:picLocks noChangeAspect="1"/>
+          </p:cNvPicPr>
+          <p:nvPr userDrawn="1"/>
+        </p:nvPicPr>
+        <p:blipFill>
+          <a:blip r:embed="rId17"/>
+          <a:stretch>
+            <a:fillRect/>
+          </a:stretch>
+        </p:blipFill>
+        <p:spPr>
+          <a:xfrm>
+            <a:off x="4305306" y="6000501"/>
+            <a:ext cx="1800350" cy="409170"/>
+          </a:xfrm>
+          <a:prstGeom prst="rect">
+            <a:avLst/>
+          </a:prstGeom>
+        </p:spPr>
+      </p:pic>
+      <p:pic>
+        <p:nvPicPr>
+          <p:cNvPr id="30" name="Imagen 29">
+            <a:extLst>
+              <a:ext uri="{FF2B5EF4-FFF2-40B4-BE49-F238E27FC236}">
+                <a16:creationId xmlns:a16="http://schemas.microsoft.com/office/drawing/2014/main" id="{FCDF466A-9BE8-4EB3-83DC-FF49E93DF34B}"/>
+              </a:ext>
+            </a:extLst>
+          </p:cNvPr>
+          <p:cNvPicPr>
+            <a:picLocks noChangeAspect="1"/>
+          </p:cNvPicPr>
+          <p:nvPr userDrawn="1"/>
+        </p:nvPicPr>
+        <p:blipFill>
+          <a:blip r:embed="rId18"/>
+          <a:stretch>
+            <a:fillRect/>
+          </a:stretch>
+        </p:blipFill>
+        <p:spPr>
+          <a:xfrm>
+            <a:off x="8653606" y="5054665"/>
+            <a:ext cx="1839530" cy="567666"/>
+          </a:xfrm>
+          <a:prstGeom prst="rect">
+            <a:avLst/>
+          </a:prstGeom>
+        </p:spPr>
+      </p:pic>
+      <p:pic>
+        <p:nvPicPr>
+          <p:cNvPr id="32" name="Imagen 31">
+            <a:extLst>
+              <a:ext uri="{FF2B5EF4-FFF2-40B4-BE49-F238E27FC236}">
+                <a16:creationId xmlns:a16="http://schemas.microsoft.com/office/drawing/2014/main" id="{664C4645-5FDF-4119-87B5-2FDB34F7B90F}"/>
+              </a:ext>
+            </a:extLst>
+          </p:cNvPr>
+          <p:cNvPicPr>
+            <a:picLocks noChangeAspect="1"/>
+          </p:cNvPicPr>
+          <p:nvPr userDrawn="1"/>
+        </p:nvPicPr>
+        <p:blipFill>
+          <a:blip r:embed="rId19"/>
+          <a:stretch>
+            <a:fillRect/>
+          </a:stretch>
+        </p:blipFill>
+        <p:spPr>
+          <a:xfrm>
+            <a:off x="8647433" y="5788376"/>
+            <a:ext cx="1839529" cy="634175"/>
           </a:xfrm>
           <a:prstGeom prst="rect">
             <a:avLst/>
@@ -25587,10 +25617,10 @@
       </p:graphicFrame>
       <p:pic>
         <p:nvPicPr>
-          <p:cNvPr id="27" name="Imagen 26">
+          <p:cNvPr id="14" name="Imagen 13">
             <a:extLst>
               <a:ext uri="{FF2B5EF4-FFF2-40B4-BE49-F238E27FC236}">
-                <a16:creationId xmlns:a16="http://schemas.microsoft.com/office/drawing/2014/main" id="{00C8D22B-6FB1-44B3-9B2A-665925B181E4}"/>
+                <a16:creationId xmlns:a16="http://schemas.microsoft.com/office/drawing/2014/main" id="{FBE50407-B9C2-4AF9-89A5-7500418CB897}"/>
               </a:ext>
             </a:extLst>
           </p:cNvPr>
@@ -25607,7 +25637,7 @@
         </p:blipFill>
         <p:spPr>
           <a:xfrm>
-            <a:off x="501323" y="5106327"/>
+            <a:off x="535251" y="4091351"/>
             <a:ext cx="3299139" cy="1015120"/>
           </a:xfrm>
           <a:prstGeom prst="rect">
@@ -25617,10 +25647,10 @@
       </p:pic>
       <p:pic>
         <p:nvPicPr>
-          <p:cNvPr id="35" name="Imagen 34">
+          <p:cNvPr id="15" name="Imagen 14">
             <a:extLst>
               <a:ext uri="{FF2B5EF4-FFF2-40B4-BE49-F238E27FC236}">
-                <a16:creationId xmlns:a16="http://schemas.microsoft.com/office/drawing/2014/main" id="{B20103D2-6A8D-4961-A9FC-C645273D36EA}"/>
+                <a16:creationId xmlns:a16="http://schemas.microsoft.com/office/drawing/2014/main" id="{87E123C5-C302-46FE-ABAD-3F337F83F1CC}"/>
               </a:ext>
             </a:extLst>
           </p:cNvPr>
@@ -25637,8 +25667,8 @@
         </p:blipFill>
         <p:spPr>
           <a:xfrm>
-            <a:off x="4795788" y="2889461"/>
-            <a:ext cx="2964216" cy="912066"/>
+            <a:off x="836952" y="5359947"/>
+            <a:ext cx="3152727" cy="824437"/>
           </a:xfrm>
           <a:prstGeom prst="rect">
             <a:avLst/>
@@ -25647,10 +25677,10 @@
       </p:pic>
       <p:pic>
         <p:nvPicPr>
-          <p:cNvPr id="36" name="Imagen 35">
+          <p:cNvPr id="16" name="Imagen 15">
             <a:extLst>
               <a:ext uri="{FF2B5EF4-FFF2-40B4-BE49-F238E27FC236}">
-                <a16:creationId xmlns:a16="http://schemas.microsoft.com/office/drawing/2014/main" id="{06B717A3-D1D7-4E20-8A78-D374F2E8165E}"/>
+                <a16:creationId xmlns:a16="http://schemas.microsoft.com/office/drawing/2014/main" id="{D10795E5-C6AC-4172-832C-635CD635AA2E}"/>
               </a:ext>
             </a:extLst>
           </p:cNvPr>
@@ -25667,8 +25697,8 @@
         </p:blipFill>
         <p:spPr>
           <a:xfrm>
-            <a:off x="4770299" y="4103833"/>
-            <a:ext cx="3152727" cy="824437"/>
+            <a:off x="8701034" y="3081791"/>
+            <a:ext cx="2801436" cy="861980"/>
           </a:xfrm>
           <a:prstGeom prst="rect">
             <a:avLst/>
@@ -25677,10 +25707,10 @@
       </p:pic>
       <p:pic>
         <p:nvPicPr>
-          <p:cNvPr id="37" name="Imagen 36">
+          <p:cNvPr id="17" name="Imagen 16">
             <a:extLst>
               <a:ext uri="{FF2B5EF4-FFF2-40B4-BE49-F238E27FC236}">
-                <a16:creationId xmlns:a16="http://schemas.microsoft.com/office/drawing/2014/main" id="{4F6582C8-181F-45AB-8FDC-D2A5D1DE0868}"/>
+                <a16:creationId xmlns:a16="http://schemas.microsoft.com/office/drawing/2014/main" id="{F09F5DCC-8BDD-4231-8823-C4ACD29B5691}"/>
               </a:ext>
             </a:extLst>
           </p:cNvPr>
@@ -25697,8 +25727,8 @@
         </p:blipFill>
         <p:spPr>
           <a:xfrm>
-            <a:off x="8656795" y="4066290"/>
-            <a:ext cx="2801436" cy="861980"/>
+            <a:off x="9075344" y="3970682"/>
+            <a:ext cx="2327347" cy="861980"/>
           </a:xfrm>
           <a:prstGeom prst="rect">
             <a:avLst/>
@@ -25707,10 +25737,10 @@
       </p:pic>
       <p:pic>
         <p:nvPicPr>
-          <p:cNvPr id="38" name="Imagen 37">
+          <p:cNvPr id="18" name="Imagen 17">
             <a:extLst>
               <a:ext uri="{FF2B5EF4-FFF2-40B4-BE49-F238E27FC236}">
-                <a16:creationId xmlns:a16="http://schemas.microsoft.com/office/drawing/2014/main" id="{6286BA83-1331-4607-A514-6A7126E17B69}"/>
+                <a16:creationId xmlns:a16="http://schemas.microsoft.com/office/drawing/2014/main" id="{CF7AA6AA-B65F-4A8A-A85D-EDCB369485F2}"/>
               </a:ext>
             </a:extLst>
           </p:cNvPr>
@@ -25727,8 +25757,8 @@
         </p:blipFill>
         <p:spPr>
           <a:xfrm>
-            <a:off x="8892861" y="5034166"/>
-            <a:ext cx="2327347" cy="861980"/>
+            <a:off x="5003367" y="4755776"/>
+            <a:ext cx="2647327" cy="601665"/>
           </a:xfrm>
           <a:prstGeom prst="rect">
             <a:avLst/>
@@ -25737,10 +25767,10 @@
       </p:pic>
       <p:pic>
         <p:nvPicPr>
-          <p:cNvPr id="39" name="Imagen 38">
+          <p:cNvPr id="19" name="Imagen 18">
             <a:extLst>
               <a:ext uri="{FF2B5EF4-FFF2-40B4-BE49-F238E27FC236}">
-                <a16:creationId xmlns:a16="http://schemas.microsoft.com/office/drawing/2014/main" id="{C38881CE-ACE0-4F86-BDCB-651601AB78BD}"/>
+                <a16:creationId xmlns:a16="http://schemas.microsoft.com/office/drawing/2014/main" id="{D1E854F7-C2A8-409F-963C-85B1F79FEDA9}"/>
               </a:ext>
             </a:extLst>
           </p:cNvPr>
@@ -25757,8 +25787,8 @@
         </p:blipFill>
         <p:spPr>
           <a:xfrm>
-            <a:off x="5022998" y="5313055"/>
-            <a:ext cx="2647327" cy="601665"/>
+            <a:off x="1025219" y="3037343"/>
+            <a:ext cx="2594132" cy="800532"/>
           </a:xfrm>
           <a:prstGeom prst="rect">
             <a:avLst/>
@@ -25767,10 +25797,10 @@
       </p:pic>
       <p:pic>
         <p:nvPicPr>
-          <p:cNvPr id="40" name="Imagen 39">
+          <p:cNvPr id="20" name="Imagen 19">
             <a:extLst>
               <a:ext uri="{FF2B5EF4-FFF2-40B4-BE49-F238E27FC236}">
-                <a16:creationId xmlns:a16="http://schemas.microsoft.com/office/drawing/2014/main" id="{4F953C2C-6DFB-43C8-882C-B32DB0BB29D6}"/>
+                <a16:creationId xmlns:a16="http://schemas.microsoft.com/office/drawing/2014/main" id="{64076EEE-FAFD-465F-B7D5-FDA4BC154213}"/>
               </a:ext>
             </a:extLst>
           </p:cNvPr>
@@ -25787,8 +25817,38 @@
         </p:blipFill>
         <p:spPr>
           <a:xfrm>
-            <a:off x="941074" y="4020721"/>
-            <a:ext cx="2594132" cy="800532"/>
+            <a:off x="9010948" y="5213153"/>
+            <a:ext cx="2391743" cy="824551"/>
+          </a:xfrm>
+          <a:prstGeom prst="rect">
+            <a:avLst/>
+          </a:prstGeom>
+        </p:spPr>
+      </p:pic>
+      <p:pic>
+        <p:nvPicPr>
+          <p:cNvPr id="21" name="Imagen 20">
+            <a:extLst>
+              <a:ext uri="{FF2B5EF4-FFF2-40B4-BE49-F238E27FC236}">
+                <a16:creationId xmlns:a16="http://schemas.microsoft.com/office/drawing/2014/main" id="{02F6C779-3654-436A-B5AE-ECA2EE5A80FA}"/>
+              </a:ext>
+            </a:extLst>
+          </p:cNvPr>
+          <p:cNvPicPr>
+            <a:picLocks noChangeAspect="1"/>
+          </p:cNvPicPr>
+          <p:nvPr userDrawn="1"/>
+        </p:nvPicPr>
+        <p:blipFill>
+          <a:blip r:embed="rId16"/>
+          <a:stretch>
+            <a:fillRect/>
+          </a:stretch>
+        </p:blipFill>
+        <p:spPr>
+          <a:xfrm>
+            <a:off x="4831769" y="3336406"/>
+            <a:ext cx="2964216" cy="912066"/>
           </a:xfrm>
           <a:prstGeom prst="rect">
             <a:avLst/>
